--- a/images/img_slider_template.pptx
+++ b/images/img_slider_template.pptx
@@ -291,7 +291,7 @@
                 <a:latin typeface="Arial"/>
                 <a:cs typeface="Arial"/>
               </a:rPr>
-              <a:t>7/24/2019</a:t>
+              <a:t>8/21/2019</a:t>
             </a:fld>
             <a:endParaRPr lang="en-US">
               <a:latin typeface="Arial"/>
@@ -476,7 +476,7 @@
             <a:fld id="{73B26A0F-F4D6-9B4F-A87B-D8948CDE3BB4}" type="datetimeFigureOut">
               <a:rPr lang="en-US" smtClean="0"/>
               <a:pPr/>
-              <a:t>7/24/2019</a:t>
+              <a:t>8/21/2019</a:t>
             </a:fld>
             <a:endParaRPr lang="en-US"/>
           </a:p>
@@ -2106,7 +2106,7 @@
                   <a:spcPts val="0"/>
                 </a:spcBef>
               </a:pPr>
-              <a:t>July 24, 2019</a:t>
+              <a:t>August 21, 2019</a:t>
             </a:fld>
             <a:endParaRPr lang="en-US" sz="1400" b="0" dirty="0">
               <a:solidFill>
@@ -3298,7 +3298,7 @@
                   <a:spcPct val="50000"/>
                 </a:spcBef>
               </a:pPr>
-              <a:t>July 24, 2019</a:t>
+              <a:t>August 21, 2019</a:t>
             </a:fld>
             <a:endParaRPr lang="en-US" sz="1100" b="0" dirty="0">
               <a:solidFill>
@@ -4941,7 +4941,7 @@
                   <a:spcPct val="50000"/>
                 </a:spcBef>
               </a:pPr>
-              <a:t>July 24, 2019</a:t>
+              <a:t>August 21, 2019</a:t>
             </a:fld>
             <a:endParaRPr lang="en-US" sz="1100" b="0" dirty="0">
               <a:solidFill>
@@ -5300,7 +5300,7 @@
           <p:cNvPr id="46" name="Picture 45">
             <a:extLst>
               <a:ext uri="{FF2B5EF4-FFF2-40B4-BE49-F238E27FC236}">
-                <a16:creationId xmlns="" xmlns:a16="http://schemas.microsoft.com/office/drawing/2014/main" id="{91187660-0B2C-49B8-A9C6-69050469D9F9}"/>
+                <a16:creationId xmlns:a16="http://schemas.microsoft.com/office/drawing/2014/main" xmlns="" id="{91187660-0B2C-49B8-A9C6-69050469D9F9}"/>
               </a:ext>
             </a:extLst>
           </p:cNvPr>
@@ -5335,7 +5335,7 @@
           <p:cNvPr id="47" name="Group 46">
             <a:extLst>
               <a:ext uri="{FF2B5EF4-FFF2-40B4-BE49-F238E27FC236}">
-                <a16:creationId xmlns="" xmlns:a16="http://schemas.microsoft.com/office/drawing/2014/main" id="{9BDC13DC-430C-419B-B8B3-483CAC2DA90A}"/>
+                <a16:creationId xmlns:a16="http://schemas.microsoft.com/office/drawing/2014/main" xmlns="" id="{9BDC13DC-430C-419B-B8B3-483CAC2DA90A}"/>
               </a:ext>
             </a:extLst>
           </p:cNvPr>
@@ -5355,7 +5355,7 @@
             <p:cNvPr id="48" name="Freeform 5">
               <a:extLst>
                 <a:ext uri="{FF2B5EF4-FFF2-40B4-BE49-F238E27FC236}">
-                  <a16:creationId xmlns="" xmlns:a16="http://schemas.microsoft.com/office/drawing/2014/main" id="{5E83A453-A26B-4D5A-A017-0A7C0152672E}"/>
+                  <a16:creationId xmlns:a16="http://schemas.microsoft.com/office/drawing/2014/main" xmlns="" id="{5E83A453-A26B-4D5A-A017-0A7C0152672E}"/>
                 </a:ext>
               </a:extLst>
             </p:cNvPr>
@@ -5503,7 +5503,7 @@
             <p:cNvPr id="50" name="Freeform 9">
               <a:extLst>
                 <a:ext uri="{FF2B5EF4-FFF2-40B4-BE49-F238E27FC236}">
-                  <a16:creationId xmlns="" xmlns:a16="http://schemas.microsoft.com/office/drawing/2014/main" id="{4D3F48B2-15F7-403D-8A83-2D9F8AC83391}"/>
+                  <a16:creationId xmlns:a16="http://schemas.microsoft.com/office/drawing/2014/main" xmlns="" id="{4D3F48B2-15F7-403D-8A83-2D9F8AC83391}"/>
                 </a:ext>
               </a:extLst>
             </p:cNvPr>
@@ -6640,7 +6640,7 @@
           <p:cNvPr id="51" name="Text Box 115">
             <a:extLst>
               <a:ext uri="{FF2B5EF4-FFF2-40B4-BE49-F238E27FC236}">
-                <a16:creationId xmlns="" xmlns:a16="http://schemas.microsoft.com/office/drawing/2014/main" id="{3DC7301A-0634-4DDE-84BD-D6A61E2D11D6}"/>
+                <a16:creationId xmlns:a16="http://schemas.microsoft.com/office/drawing/2014/main" xmlns="" id="{3DC7301A-0634-4DDE-84BD-D6A61E2D11D6}"/>
               </a:ext>
             </a:extLst>
           </p:cNvPr>
@@ -6688,7 +6688,7 @@
                   <a:spcPts val="0"/>
                 </a:spcBef>
               </a:pPr>
-              <a:t>July 24, 2019</a:t>
+              <a:t>August 21, 2019</a:t>
             </a:fld>
             <a:endParaRPr lang="en-US" sz="1100" b="0" dirty="0">
               <a:solidFill>
@@ -6703,7 +6703,7 @@
           <p:cNvPr id="52" name="Text Box 115">
             <a:extLst>
               <a:ext uri="{FF2B5EF4-FFF2-40B4-BE49-F238E27FC236}">
-                <a16:creationId xmlns="" xmlns:a16="http://schemas.microsoft.com/office/drawing/2014/main" id="{D4093138-40BC-4732-A9D2-201E13AAF4BC}"/>
+                <a16:creationId xmlns:a16="http://schemas.microsoft.com/office/drawing/2014/main" xmlns="" id="{D4093138-40BC-4732-A9D2-201E13AAF4BC}"/>
               </a:ext>
             </a:extLst>
           </p:cNvPr>
@@ -6766,7 +6766,7 @@
           <p:cNvPr id="53" name="Footer Placeholder 4">
             <a:extLst>
               <a:ext uri="{FF2B5EF4-FFF2-40B4-BE49-F238E27FC236}">
-                <a16:creationId xmlns="" xmlns:a16="http://schemas.microsoft.com/office/drawing/2014/main" id="{DF295466-17A7-4B12-83BA-08D9B1935DE9}"/>
+                <a16:creationId xmlns:a16="http://schemas.microsoft.com/office/drawing/2014/main" xmlns="" id="{DF295466-17A7-4B12-83BA-08D9B1935DE9}"/>
               </a:ext>
             </a:extLst>
           </p:cNvPr>
@@ -6899,7 +6899,7 @@
           <p:cNvPr id="54" name="Picture 53">
             <a:extLst>
               <a:ext uri="{FF2B5EF4-FFF2-40B4-BE49-F238E27FC236}">
-                <a16:creationId xmlns="" xmlns:a16="http://schemas.microsoft.com/office/drawing/2014/main" id="{A4DF1B85-70B4-4DEE-91CE-EF07BE2AB916}"/>
+                <a16:creationId xmlns:a16="http://schemas.microsoft.com/office/drawing/2014/main" xmlns="" id="{A4DF1B85-70B4-4DEE-91CE-EF07BE2AB916}"/>
               </a:ext>
             </a:extLst>
           </p:cNvPr>
@@ -8057,7 +8057,7 @@
                   <a:spcPct val="50000"/>
                 </a:spcBef>
               </a:pPr>
-              <a:t>July 24, 2019</a:t>
+              <a:t>August 21, 2019</a:t>
             </a:fld>
             <a:endParaRPr lang="en-US" sz="1100" b="0" dirty="0">
               <a:solidFill>
@@ -9616,7 +9616,7 @@
                   <a:spcPts val="0"/>
                 </a:spcBef>
               </a:pPr>
-              <a:t>July 24, 2019</a:t>
+              <a:t>August 21, 2019</a:t>
             </a:fld>
             <a:endParaRPr lang="en-US" sz="1400" b="0" dirty="0">
               <a:solidFill>
@@ -9676,1300 +9676,6 @@
           <a:chExt cx="0" cy="0"/>
         </a:xfrm>
       </p:grpSpPr>
-      <p:grpSp>
-        <p:nvGrpSpPr>
-          <p:cNvPr id="12" name="Group 11"/>
-          <p:cNvGrpSpPr/>
-          <p:nvPr userDrawn="1"/>
-        </p:nvGrpSpPr>
-        <p:grpSpPr>
-          <a:xfrm>
-            <a:off x="-91440" y="-91440"/>
-            <a:ext cx="14813280" cy="8412480"/>
-            <a:chOff x="-91440" y="-91440"/>
-            <a:chExt cx="14813280" cy="8412480"/>
-          </a:xfrm>
-        </p:grpSpPr>
-        <p:cxnSp>
-          <p:nvCxnSpPr>
-            <p:cNvPr id="13" name="Straight Connector 12"/>
-            <p:cNvCxnSpPr/>
-            <p:nvPr userDrawn="1"/>
-          </p:nvCxnSpPr>
-          <p:spPr>
-            <a:xfrm>
-              <a:off x="-91440" y="639763"/>
-              <a:ext cx="45720" cy="0"/>
-            </a:xfrm>
-            <a:prstGeom prst="line">
-              <a:avLst/>
-            </a:prstGeom>
-            <a:ln w="3175" cap="flat"/>
-          </p:spPr>
-          <p:style>
-            <a:lnRef idx="2">
-              <a:schemeClr val="accent1"/>
-            </a:lnRef>
-            <a:fillRef idx="0">
-              <a:schemeClr val="accent1"/>
-            </a:fillRef>
-            <a:effectRef idx="1">
-              <a:schemeClr val="accent1"/>
-            </a:effectRef>
-            <a:fontRef idx="minor">
-              <a:schemeClr val="tx1"/>
-            </a:fontRef>
-          </p:style>
-        </p:cxnSp>
-        <p:cxnSp>
-          <p:nvCxnSpPr>
-            <p:cNvPr id="18" name="Straight Connector 17"/>
-            <p:cNvCxnSpPr/>
-            <p:nvPr userDrawn="1"/>
-          </p:nvCxnSpPr>
-          <p:spPr>
-            <a:xfrm>
-              <a:off x="-91440" y="2057399"/>
-              <a:ext cx="45720" cy="0"/>
-            </a:xfrm>
-            <a:prstGeom prst="line">
-              <a:avLst/>
-            </a:prstGeom>
-            <a:ln w="3175" cap="flat"/>
-          </p:spPr>
-          <p:style>
-            <a:lnRef idx="2">
-              <a:schemeClr val="accent1"/>
-            </a:lnRef>
-            <a:fillRef idx="0">
-              <a:schemeClr val="accent1"/>
-            </a:fillRef>
-            <a:effectRef idx="1">
-              <a:schemeClr val="accent1"/>
-            </a:effectRef>
-            <a:fontRef idx="minor">
-              <a:schemeClr val="tx1"/>
-            </a:fontRef>
-          </p:style>
-        </p:cxnSp>
-        <p:cxnSp>
-          <p:nvCxnSpPr>
-            <p:cNvPr id="19" name="Straight Connector 18"/>
-            <p:cNvCxnSpPr/>
-            <p:nvPr userDrawn="1"/>
-          </p:nvCxnSpPr>
-          <p:spPr>
-            <a:xfrm>
-              <a:off x="-91440" y="7178674"/>
-              <a:ext cx="45720" cy="0"/>
-            </a:xfrm>
-            <a:prstGeom prst="line">
-              <a:avLst/>
-            </a:prstGeom>
-            <a:ln w="3175" cap="flat"/>
-          </p:spPr>
-          <p:style>
-            <a:lnRef idx="2">
-              <a:schemeClr val="accent1"/>
-            </a:lnRef>
-            <a:fillRef idx="0">
-              <a:schemeClr val="accent1"/>
-            </a:fillRef>
-            <a:effectRef idx="1">
-              <a:schemeClr val="accent1"/>
-            </a:effectRef>
-            <a:fontRef idx="minor">
-              <a:schemeClr val="tx1"/>
-            </a:fontRef>
-          </p:style>
-        </p:cxnSp>
-        <p:cxnSp>
-          <p:nvCxnSpPr>
-            <p:cNvPr id="22" name="Straight Connector 21"/>
-            <p:cNvCxnSpPr/>
-            <p:nvPr userDrawn="1"/>
-          </p:nvCxnSpPr>
-          <p:spPr>
-            <a:xfrm>
-              <a:off x="14676120" y="639763"/>
-              <a:ext cx="45720" cy="0"/>
-            </a:xfrm>
-            <a:prstGeom prst="line">
-              <a:avLst/>
-            </a:prstGeom>
-            <a:ln w="3175" cap="flat"/>
-          </p:spPr>
-          <p:style>
-            <a:lnRef idx="2">
-              <a:schemeClr val="accent1"/>
-            </a:lnRef>
-            <a:fillRef idx="0">
-              <a:schemeClr val="accent1"/>
-            </a:fillRef>
-            <a:effectRef idx="1">
-              <a:schemeClr val="accent1"/>
-            </a:effectRef>
-            <a:fontRef idx="minor">
-              <a:schemeClr val="tx1"/>
-            </a:fontRef>
-          </p:style>
-        </p:cxnSp>
-        <p:cxnSp>
-          <p:nvCxnSpPr>
-            <p:cNvPr id="23" name="Straight Connector 22"/>
-            <p:cNvCxnSpPr/>
-            <p:nvPr userDrawn="1"/>
-          </p:nvCxnSpPr>
-          <p:spPr>
-            <a:xfrm>
-              <a:off x="14676120" y="2057399"/>
-              <a:ext cx="45720" cy="0"/>
-            </a:xfrm>
-            <a:prstGeom prst="line">
-              <a:avLst/>
-            </a:prstGeom>
-            <a:ln w="3175" cap="flat"/>
-          </p:spPr>
-          <p:style>
-            <a:lnRef idx="2">
-              <a:schemeClr val="accent1"/>
-            </a:lnRef>
-            <a:fillRef idx="0">
-              <a:schemeClr val="accent1"/>
-            </a:fillRef>
-            <a:effectRef idx="1">
-              <a:schemeClr val="accent1"/>
-            </a:effectRef>
-            <a:fontRef idx="minor">
-              <a:schemeClr val="tx1"/>
-            </a:fontRef>
-          </p:style>
-        </p:cxnSp>
-        <p:cxnSp>
-          <p:nvCxnSpPr>
-            <p:cNvPr id="24" name="Straight Connector 23"/>
-            <p:cNvCxnSpPr/>
-            <p:nvPr userDrawn="1"/>
-          </p:nvCxnSpPr>
-          <p:spPr>
-            <a:xfrm>
-              <a:off x="14676120" y="7178674"/>
-              <a:ext cx="45720" cy="0"/>
-            </a:xfrm>
-            <a:prstGeom prst="line">
-              <a:avLst/>
-            </a:prstGeom>
-            <a:ln w="3175" cap="flat"/>
-          </p:spPr>
-          <p:style>
-            <a:lnRef idx="2">
-              <a:schemeClr val="accent1"/>
-            </a:lnRef>
-            <a:fillRef idx="0">
-              <a:schemeClr val="accent1"/>
-            </a:fillRef>
-            <a:effectRef idx="1">
-              <a:schemeClr val="accent1"/>
-            </a:effectRef>
-            <a:fontRef idx="minor">
-              <a:schemeClr val="tx1"/>
-            </a:fontRef>
-          </p:style>
-        </p:cxnSp>
-        <p:cxnSp>
-          <p:nvCxnSpPr>
-            <p:cNvPr id="25" name="Straight Connector 24"/>
-            <p:cNvCxnSpPr/>
-            <p:nvPr userDrawn="1"/>
-          </p:nvCxnSpPr>
-          <p:spPr>
-            <a:xfrm>
-              <a:off x="685800" y="-91440"/>
-              <a:ext cx="0" cy="45720"/>
-            </a:xfrm>
-            <a:prstGeom prst="line">
-              <a:avLst/>
-            </a:prstGeom>
-            <a:ln w="3175" cap="flat"/>
-          </p:spPr>
-          <p:style>
-            <a:lnRef idx="2">
-              <a:schemeClr val="accent1"/>
-            </a:lnRef>
-            <a:fillRef idx="0">
-              <a:schemeClr val="accent1"/>
-            </a:fillRef>
-            <a:effectRef idx="1">
-              <a:schemeClr val="accent1"/>
-            </a:effectRef>
-            <a:fontRef idx="minor">
-              <a:schemeClr val="tx1"/>
-            </a:fontRef>
-          </p:style>
-        </p:cxnSp>
-        <p:cxnSp>
-          <p:nvCxnSpPr>
-            <p:cNvPr id="26" name="Straight Connector 25"/>
-            <p:cNvCxnSpPr/>
-            <p:nvPr userDrawn="1"/>
-          </p:nvCxnSpPr>
-          <p:spPr>
-            <a:xfrm>
-              <a:off x="13944600" y="-91440"/>
-              <a:ext cx="0" cy="45720"/>
-            </a:xfrm>
-            <a:prstGeom prst="line">
-              <a:avLst/>
-            </a:prstGeom>
-            <a:ln w="3175" cap="flat"/>
-          </p:spPr>
-          <p:style>
-            <a:lnRef idx="2">
-              <a:schemeClr val="accent1"/>
-            </a:lnRef>
-            <a:fillRef idx="0">
-              <a:schemeClr val="accent1"/>
-            </a:fillRef>
-            <a:effectRef idx="1">
-              <a:schemeClr val="accent1"/>
-            </a:effectRef>
-            <a:fontRef idx="minor">
-              <a:schemeClr val="tx1"/>
-            </a:fontRef>
-          </p:style>
-        </p:cxnSp>
-        <p:cxnSp>
-          <p:nvCxnSpPr>
-            <p:cNvPr id="27" name="Straight Connector 26"/>
-            <p:cNvCxnSpPr/>
-            <p:nvPr userDrawn="1"/>
-          </p:nvCxnSpPr>
-          <p:spPr>
-            <a:xfrm>
-              <a:off x="685800" y="8275320"/>
-              <a:ext cx="0" cy="45720"/>
-            </a:xfrm>
-            <a:prstGeom prst="line">
-              <a:avLst/>
-            </a:prstGeom>
-            <a:ln w="3175" cap="flat"/>
-          </p:spPr>
-          <p:style>
-            <a:lnRef idx="2">
-              <a:schemeClr val="accent1"/>
-            </a:lnRef>
-            <a:fillRef idx="0">
-              <a:schemeClr val="accent1"/>
-            </a:fillRef>
-            <a:effectRef idx="1">
-              <a:schemeClr val="accent1"/>
-            </a:effectRef>
-            <a:fontRef idx="minor">
-              <a:schemeClr val="tx1"/>
-            </a:fontRef>
-          </p:style>
-        </p:cxnSp>
-        <p:cxnSp>
-          <p:nvCxnSpPr>
-            <p:cNvPr id="28" name="Straight Connector 27"/>
-            <p:cNvCxnSpPr/>
-            <p:nvPr userDrawn="1"/>
-          </p:nvCxnSpPr>
-          <p:spPr>
-            <a:xfrm>
-              <a:off x="13944600" y="8275320"/>
-              <a:ext cx="0" cy="45720"/>
-            </a:xfrm>
-            <a:prstGeom prst="line">
-              <a:avLst/>
-            </a:prstGeom>
-            <a:ln w="3175" cap="flat"/>
-          </p:spPr>
-          <p:style>
-            <a:lnRef idx="2">
-              <a:schemeClr val="accent1"/>
-            </a:lnRef>
-            <a:fillRef idx="0">
-              <a:schemeClr val="accent1"/>
-            </a:fillRef>
-            <a:effectRef idx="1">
-              <a:schemeClr val="accent1"/>
-            </a:effectRef>
-            <a:fontRef idx="minor">
-              <a:schemeClr val="tx1"/>
-            </a:fontRef>
-          </p:style>
-        </p:cxnSp>
-        <p:cxnSp>
-          <p:nvCxnSpPr>
-            <p:cNvPr id="29" name="Straight Connector 28"/>
-            <p:cNvCxnSpPr/>
-            <p:nvPr userDrawn="1"/>
-          </p:nvCxnSpPr>
-          <p:spPr>
-            <a:xfrm>
-              <a:off x="11887200" y="8275320"/>
-              <a:ext cx="0" cy="45720"/>
-            </a:xfrm>
-            <a:prstGeom prst="line">
-              <a:avLst/>
-            </a:prstGeom>
-            <a:ln w="3175" cap="flat"/>
-          </p:spPr>
-          <p:style>
-            <a:lnRef idx="2">
-              <a:schemeClr val="accent1"/>
-            </a:lnRef>
-            <a:fillRef idx="0">
-              <a:schemeClr val="accent1"/>
-            </a:fillRef>
-            <a:effectRef idx="1">
-              <a:schemeClr val="accent1"/>
-            </a:effectRef>
-            <a:fontRef idx="minor">
-              <a:schemeClr val="tx1"/>
-            </a:fontRef>
-          </p:style>
-        </p:cxnSp>
-        <p:cxnSp>
-          <p:nvCxnSpPr>
-            <p:cNvPr id="30" name="Straight Connector 29"/>
-            <p:cNvCxnSpPr/>
-            <p:nvPr userDrawn="1"/>
-          </p:nvCxnSpPr>
-          <p:spPr>
-            <a:xfrm>
-              <a:off x="7315200" y="-91440"/>
-              <a:ext cx="0" cy="45720"/>
-            </a:xfrm>
-            <a:prstGeom prst="line">
-              <a:avLst/>
-            </a:prstGeom>
-            <a:ln w="3175" cap="flat"/>
-          </p:spPr>
-          <p:style>
-            <a:lnRef idx="2">
-              <a:schemeClr val="accent1"/>
-            </a:lnRef>
-            <a:fillRef idx="0">
-              <a:schemeClr val="accent1"/>
-            </a:fillRef>
-            <a:effectRef idx="1">
-              <a:schemeClr val="accent1"/>
-            </a:effectRef>
-            <a:fontRef idx="minor">
-              <a:schemeClr val="tx1"/>
-            </a:fontRef>
-          </p:style>
-        </p:cxnSp>
-        <p:cxnSp>
-          <p:nvCxnSpPr>
-            <p:cNvPr id="31" name="Straight Connector 30"/>
-            <p:cNvCxnSpPr/>
-            <p:nvPr userDrawn="1"/>
-          </p:nvCxnSpPr>
-          <p:spPr>
-            <a:xfrm>
-              <a:off x="7315200" y="8275320"/>
-              <a:ext cx="0" cy="45720"/>
-            </a:xfrm>
-            <a:prstGeom prst="line">
-              <a:avLst/>
-            </a:prstGeom>
-            <a:ln w="3175" cap="flat"/>
-          </p:spPr>
-          <p:style>
-            <a:lnRef idx="2">
-              <a:schemeClr val="accent1"/>
-            </a:lnRef>
-            <a:fillRef idx="0">
-              <a:schemeClr val="accent1"/>
-            </a:fillRef>
-            <a:effectRef idx="1">
-              <a:schemeClr val="accent1"/>
-            </a:effectRef>
-            <a:fontRef idx="minor">
-              <a:schemeClr val="tx1"/>
-            </a:fontRef>
-          </p:style>
-        </p:cxnSp>
-        <p:cxnSp>
-          <p:nvCxnSpPr>
-            <p:cNvPr id="32" name="Straight Connector 31"/>
-            <p:cNvCxnSpPr/>
-            <p:nvPr userDrawn="1"/>
-          </p:nvCxnSpPr>
-          <p:spPr>
-            <a:xfrm>
-              <a:off x="7086600" y="-91440"/>
-              <a:ext cx="0" cy="45720"/>
-            </a:xfrm>
-            <a:prstGeom prst="line">
-              <a:avLst/>
-            </a:prstGeom>
-            <a:ln w="3175" cap="flat"/>
-          </p:spPr>
-          <p:style>
-            <a:lnRef idx="2">
-              <a:schemeClr val="accent1"/>
-            </a:lnRef>
-            <a:fillRef idx="0">
-              <a:schemeClr val="accent1"/>
-            </a:fillRef>
-            <a:effectRef idx="1">
-              <a:schemeClr val="accent1"/>
-            </a:effectRef>
-            <a:fontRef idx="minor">
-              <a:schemeClr val="tx1"/>
-            </a:fontRef>
-          </p:style>
-        </p:cxnSp>
-        <p:cxnSp>
-          <p:nvCxnSpPr>
-            <p:cNvPr id="33" name="Straight Connector 32"/>
-            <p:cNvCxnSpPr/>
-            <p:nvPr userDrawn="1"/>
-          </p:nvCxnSpPr>
-          <p:spPr>
-            <a:xfrm>
-              <a:off x="7543800" y="-91440"/>
-              <a:ext cx="0" cy="45720"/>
-            </a:xfrm>
-            <a:prstGeom prst="line">
-              <a:avLst/>
-            </a:prstGeom>
-            <a:ln w="3175" cap="flat"/>
-          </p:spPr>
-          <p:style>
-            <a:lnRef idx="2">
-              <a:schemeClr val="accent1"/>
-            </a:lnRef>
-            <a:fillRef idx="0">
-              <a:schemeClr val="accent1"/>
-            </a:fillRef>
-            <a:effectRef idx="1">
-              <a:schemeClr val="accent1"/>
-            </a:effectRef>
-            <a:fontRef idx="minor">
-              <a:schemeClr val="tx1"/>
-            </a:fontRef>
-          </p:style>
-        </p:cxnSp>
-        <p:cxnSp>
-          <p:nvCxnSpPr>
-            <p:cNvPr id="34" name="Straight Connector 33"/>
-            <p:cNvCxnSpPr/>
-            <p:nvPr userDrawn="1"/>
-          </p:nvCxnSpPr>
-          <p:spPr>
-            <a:xfrm>
-              <a:off x="7086600" y="8275320"/>
-              <a:ext cx="0" cy="45720"/>
-            </a:xfrm>
-            <a:prstGeom prst="line">
-              <a:avLst/>
-            </a:prstGeom>
-            <a:ln w="3175" cap="flat"/>
-          </p:spPr>
-          <p:style>
-            <a:lnRef idx="2">
-              <a:schemeClr val="accent1"/>
-            </a:lnRef>
-            <a:fillRef idx="0">
-              <a:schemeClr val="accent1"/>
-            </a:fillRef>
-            <a:effectRef idx="1">
-              <a:schemeClr val="accent1"/>
-            </a:effectRef>
-            <a:fontRef idx="minor">
-              <a:schemeClr val="tx1"/>
-            </a:fontRef>
-          </p:style>
-        </p:cxnSp>
-        <p:cxnSp>
-          <p:nvCxnSpPr>
-            <p:cNvPr id="35" name="Straight Connector 34"/>
-            <p:cNvCxnSpPr/>
-            <p:nvPr userDrawn="1"/>
-          </p:nvCxnSpPr>
-          <p:spPr>
-            <a:xfrm>
-              <a:off x="7543800" y="8275320"/>
-              <a:ext cx="0" cy="45720"/>
-            </a:xfrm>
-            <a:prstGeom prst="line">
-              <a:avLst/>
-            </a:prstGeom>
-            <a:ln w="3175" cap="flat"/>
-          </p:spPr>
-          <p:style>
-            <a:lnRef idx="2">
-              <a:schemeClr val="accent1"/>
-            </a:lnRef>
-            <a:fillRef idx="0">
-              <a:schemeClr val="accent1"/>
-            </a:fillRef>
-            <a:effectRef idx="1">
-              <a:schemeClr val="accent1"/>
-            </a:effectRef>
-            <a:fontRef idx="minor">
-              <a:schemeClr val="tx1"/>
-            </a:fontRef>
-          </p:style>
-        </p:cxnSp>
-        <p:cxnSp>
-          <p:nvCxnSpPr>
-            <p:cNvPr id="36" name="Straight Connector 35"/>
-            <p:cNvCxnSpPr/>
-            <p:nvPr userDrawn="1"/>
-          </p:nvCxnSpPr>
-          <p:spPr>
-            <a:xfrm>
-              <a:off x="5257800" y="-91440"/>
-              <a:ext cx="0" cy="45720"/>
-            </a:xfrm>
-            <a:prstGeom prst="line">
-              <a:avLst/>
-            </a:prstGeom>
-            <a:ln w="3175" cap="flat"/>
-          </p:spPr>
-          <p:style>
-            <a:lnRef idx="2">
-              <a:schemeClr val="accent1"/>
-            </a:lnRef>
-            <a:fillRef idx="0">
-              <a:schemeClr val="accent1"/>
-            </a:fillRef>
-            <a:effectRef idx="1">
-              <a:schemeClr val="accent1"/>
-            </a:effectRef>
-            <a:fontRef idx="minor">
-              <a:schemeClr val="tx1"/>
-            </a:fontRef>
-          </p:style>
-        </p:cxnSp>
-        <p:cxnSp>
-          <p:nvCxnSpPr>
-            <p:cNvPr id="37" name="Straight Connector 36"/>
-            <p:cNvCxnSpPr/>
-            <p:nvPr userDrawn="1"/>
-          </p:nvCxnSpPr>
-          <p:spPr>
-            <a:xfrm>
-              <a:off x="4800600" y="-91440"/>
-              <a:ext cx="0" cy="45720"/>
-            </a:xfrm>
-            <a:prstGeom prst="line">
-              <a:avLst/>
-            </a:prstGeom>
-            <a:ln w="3175" cap="flat"/>
-          </p:spPr>
-          <p:style>
-            <a:lnRef idx="2">
-              <a:schemeClr val="accent1"/>
-            </a:lnRef>
-            <a:fillRef idx="0">
-              <a:schemeClr val="accent1"/>
-            </a:fillRef>
-            <a:effectRef idx="1">
-              <a:schemeClr val="accent1"/>
-            </a:effectRef>
-            <a:fontRef idx="minor">
-              <a:schemeClr val="tx1"/>
-            </a:fontRef>
-          </p:style>
-        </p:cxnSp>
-        <p:cxnSp>
-          <p:nvCxnSpPr>
-            <p:cNvPr id="38" name="Straight Connector 37"/>
-            <p:cNvCxnSpPr/>
-            <p:nvPr userDrawn="1"/>
-          </p:nvCxnSpPr>
-          <p:spPr>
-            <a:xfrm>
-              <a:off x="9372600" y="-91440"/>
-              <a:ext cx="0" cy="45720"/>
-            </a:xfrm>
-            <a:prstGeom prst="line">
-              <a:avLst/>
-            </a:prstGeom>
-            <a:ln w="3175" cap="flat"/>
-          </p:spPr>
-          <p:style>
-            <a:lnRef idx="2">
-              <a:schemeClr val="accent1"/>
-            </a:lnRef>
-            <a:fillRef idx="0">
-              <a:schemeClr val="accent1"/>
-            </a:fillRef>
-            <a:effectRef idx="1">
-              <a:schemeClr val="accent1"/>
-            </a:effectRef>
-            <a:fontRef idx="minor">
-              <a:schemeClr val="tx1"/>
-            </a:fontRef>
-          </p:style>
-        </p:cxnSp>
-        <p:cxnSp>
-          <p:nvCxnSpPr>
-            <p:cNvPr id="39" name="Straight Connector 38"/>
-            <p:cNvCxnSpPr/>
-            <p:nvPr userDrawn="1"/>
-          </p:nvCxnSpPr>
-          <p:spPr>
-            <a:xfrm>
-              <a:off x="9829800" y="-91440"/>
-              <a:ext cx="0" cy="45720"/>
-            </a:xfrm>
-            <a:prstGeom prst="line">
-              <a:avLst/>
-            </a:prstGeom>
-            <a:ln w="3175" cap="flat"/>
-          </p:spPr>
-          <p:style>
-            <a:lnRef idx="2">
-              <a:schemeClr val="accent1"/>
-            </a:lnRef>
-            <a:fillRef idx="0">
-              <a:schemeClr val="accent1"/>
-            </a:fillRef>
-            <a:effectRef idx="1">
-              <a:schemeClr val="accent1"/>
-            </a:effectRef>
-            <a:fontRef idx="minor">
-              <a:schemeClr val="tx1"/>
-            </a:fontRef>
-          </p:style>
-        </p:cxnSp>
-        <p:cxnSp>
-          <p:nvCxnSpPr>
-            <p:cNvPr id="40" name="Straight Connector 39"/>
-            <p:cNvCxnSpPr/>
-            <p:nvPr userDrawn="1"/>
-          </p:nvCxnSpPr>
-          <p:spPr>
-            <a:xfrm>
-              <a:off x="5257800" y="8275320"/>
-              <a:ext cx="0" cy="45720"/>
-            </a:xfrm>
-            <a:prstGeom prst="line">
-              <a:avLst/>
-            </a:prstGeom>
-            <a:ln w="3175" cap="flat"/>
-          </p:spPr>
-          <p:style>
-            <a:lnRef idx="2">
-              <a:schemeClr val="accent1"/>
-            </a:lnRef>
-            <a:fillRef idx="0">
-              <a:schemeClr val="accent1"/>
-            </a:fillRef>
-            <a:effectRef idx="1">
-              <a:schemeClr val="accent1"/>
-            </a:effectRef>
-            <a:fontRef idx="minor">
-              <a:schemeClr val="tx1"/>
-            </a:fontRef>
-          </p:style>
-        </p:cxnSp>
-        <p:cxnSp>
-          <p:nvCxnSpPr>
-            <p:cNvPr id="41" name="Straight Connector 40"/>
-            <p:cNvCxnSpPr/>
-            <p:nvPr userDrawn="1"/>
-          </p:nvCxnSpPr>
-          <p:spPr>
-            <a:xfrm>
-              <a:off x="9829800" y="8275320"/>
-              <a:ext cx="0" cy="45720"/>
-            </a:xfrm>
-            <a:prstGeom prst="line">
-              <a:avLst/>
-            </a:prstGeom>
-            <a:ln w="3175" cap="flat"/>
-          </p:spPr>
-          <p:style>
-            <a:lnRef idx="2">
-              <a:schemeClr val="accent1"/>
-            </a:lnRef>
-            <a:fillRef idx="0">
-              <a:schemeClr val="accent1"/>
-            </a:fillRef>
-            <a:effectRef idx="1">
-              <a:schemeClr val="accent1"/>
-            </a:effectRef>
-            <a:fontRef idx="minor">
-              <a:schemeClr val="tx1"/>
-            </a:fontRef>
-          </p:style>
-        </p:cxnSp>
-        <p:cxnSp>
-          <p:nvCxnSpPr>
-            <p:cNvPr id="42" name="Straight Connector 41"/>
-            <p:cNvCxnSpPr/>
-            <p:nvPr userDrawn="1"/>
-          </p:nvCxnSpPr>
-          <p:spPr>
-            <a:xfrm>
-              <a:off x="4800600" y="8275320"/>
-              <a:ext cx="0" cy="45720"/>
-            </a:xfrm>
-            <a:prstGeom prst="line">
-              <a:avLst/>
-            </a:prstGeom>
-            <a:ln w="3175" cap="flat"/>
-          </p:spPr>
-          <p:style>
-            <a:lnRef idx="2">
-              <a:schemeClr val="accent1"/>
-            </a:lnRef>
-            <a:fillRef idx="0">
-              <a:schemeClr val="accent1"/>
-            </a:fillRef>
-            <a:effectRef idx="1">
-              <a:schemeClr val="accent1"/>
-            </a:effectRef>
-            <a:fontRef idx="minor">
-              <a:schemeClr val="tx1"/>
-            </a:fontRef>
-          </p:style>
-        </p:cxnSp>
-        <p:cxnSp>
-          <p:nvCxnSpPr>
-            <p:cNvPr id="43" name="Straight Connector 42"/>
-            <p:cNvCxnSpPr/>
-            <p:nvPr userDrawn="1"/>
-          </p:nvCxnSpPr>
-          <p:spPr>
-            <a:xfrm>
-              <a:off x="9372600" y="8275320"/>
-              <a:ext cx="0" cy="45720"/>
-            </a:xfrm>
-            <a:prstGeom prst="line">
-              <a:avLst/>
-            </a:prstGeom>
-            <a:ln w="3175" cap="flat"/>
-          </p:spPr>
-          <p:style>
-            <a:lnRef idx="2">
-              <a:schemeClr val="accent1"/>
-            </a:lnRef>
-            <a:fillRef idx="0">
-              <a:schemeClr val="accent1"/>
-            </a:fillRef>
-            <a:effectRef idx="1">
-              <a:schemeClr val="accent1"/>
-            </a:effectRef>
-            <a:fontRef idx="minor">
-              <a:schemeClr val="tx1"/>
-            </a:fontRef>
-          </p:style>
-        </p:cxnSp>
-        <p:cxnSp>
-          <p:nvCxnSpPr>
-            <p:cNvPr id="44" name="Straight Connector 43"/>
-            <p:cNvCxnSpPr/>
-            <p:nvPr userDrawn="1"/>
-          </p:nvCxnSpPr>
-          <p:spPr>
-            <a:xfrm>
-              <a:off x="11887200" y="-91440"/>
-              <a:ext cx="0" cy="45720"/>
-            </a:xfrm>
-            <a:prstGeom prst="line">
-              <a:avLst/>
-            </a:prstGeom>
-            <a:ln w="3175" cap="flat"/>
-          </p:spPr>
-          <p:style>
-            <a:lnRef idx="2">
-              <a:schemeClr val="accent1"/>
-            </a:lnRef>
-            <a:fillRef idx="0">
-              <a:schemeClr val="accent1"/>
-            </a:fillRef>
-            <a:effectRef idx="1">
-              <a:schemeClr val="accent1"/>
-            </a:effectRef>
-            <a:fontRef idx="minor">
-              <a:schemeClr val="tx1"/>
-            </a:fontRef>
-          </p:style>
-        </p:cxnSp>
-        <p:cxnSp>
-          <p:nvCxnSpPr>
-            <p:cNvPr id="45" name="Straight Connector 44"/>
-            <p:cNvCxnSpPr/>
-            <p:nvPr userDrawn="1"/>
-          </p:nvCxnSpPr>
-          <p:spPr>
-            <a:xfrm>
-              <a:off x="14676120" y="7772400"/>
-              <a:ext cx="45720" cy="0"/>
-            </a:xfrm>
-            <a:prstGeom prst="line">
-              <a:avLst/>
-            </a:prstGeom>
-            <a:ln w="3175" cap="flat"/>
-          </p:spPr>
-          <p:style>
-            <a:lnRef idx="2">
-              <a:schemeClr val="accent1"/>
-            </a:lnRef>
-            <a:fillRef idx="0">
-              <a:schemeClr val="accent1"/>
-            </a:fillRef>
-            <a:effectRef idx="1">
-              <a:schemeClr val="accent1"/>
-            </a:effectRef>
-            <a:fontRef idx="minor">
-              <a:schemeClr val="tx1"/>
-            </a:fontRef>
-          </p:style>
-        </p:cxnSp>
-        <p:cxnSp>
-          <p:nvCxnSpPr>
-            <p:cNvPr id="46" name="Straight Connector 45"/>
-            <p:cNvCxnSpPr/>
-            <p:nvPr userDrawn="1"/>
-          </p:nvCxnSpPr>
-          <p:spPr>
-            <a:xfrm>
-              <a:off x="-91440" y="7772400"/>
-              <a:ext cx="45720" cy="0"/>
-            </a:xfrm>
-            <a:prstGeom prst="line">
-              <a:avLst/>
-            </a:prstGeom>
-            <a:ln w="3175" cap="flat"/>
-          </p:spPr>
-          <p:style>
-            <a:lnRef idx="2">
-              <a:schemeClr val="accent1"/>
-            </a:lnRef>
-            <a:fillRef idx="0">
-              <a:schemeClr val="accent1"/>
-            </a:fillRef>
-            <a:effectRef idx="1">
-              <a:schemeClr val="accent1"/>
-            </a:effectRef>
-            <a:fontRef idx="minor">
-              <a:schemeClr val="tx1"/>
-            </a:fontRef>
-          </p:style>
-        </p:cxnSp>
-      </p:grpSp>
-      <p:grpSp>
-        <p:nvGrpSpPr>
-          <p:cNvPr id="6" name="Group 5"/>
-          <p:cNvGrpSpPr/>
-          <p:nvPr userDrawn="1"/>
-        </p:nvGrpSpPr>
-        <p:grpSpPr>
-          <a:xfrm flipH="1">
-            <a:off x="0" y="-13636"/>
-            <a:ext cx="14737882" cy="8321040"/>
-            <a:chOff x="317786" y="-532684"/>
-            <a:chExt cx="14630400" cy="8229601"/>
-          </a:xfrm>
-          <a:blipFill>
-            <a:blip r:embed="rId2"/>
-            <a:stretch>
-              <a:fillRect/>
-            </a:stretch>
-          </a:blipFill>
-        </p:grpSpPr>
-        <p:sp>
-          <p:nvSpPr>
-            <p:cNvPr id="5" name="Freeform 5"/>
-            <p:cNvSpPr>
-              <a:spLocks noChangeAspect="1"/>
-            </p:cNvSpPr>
-            <p:nvPr userDrawn="1"/>
-          </p:nvSpPr>
-          <p:spPr bwMode="white">
-            <a:xfrm>
-              <a:off x="317786" y="-532683"/>
-              <a:ext cx="14630400" cy="8229600"/>
-            </a:xfrm>
-            <a:custGeom>
-              <a:avLst/>
-              <a:gdLst>
-                <a:gd name="T0" fmla="*/ 19199 w 19199"/>
-                <a:gd name="T1" fmla="*/ 9340 h 10809"/>
-                <a:gd name="T2" fmla="*/ 19199 w 19199"/>
-                <a:gd name="T3" fmla="*/ 9340 h 10809"/>
-                <a:gd name="T4" fmla="*/ 16987 w 19199"/>
-                <a:gd name="T5" fmla="*/ 9340 h 10809"/>
-                <a:gd name="T6" fmla="*/ 13055 w 19199"/>
-                <a:gd name="T7" fmla="*/ 5408 h 10809"/>
-                <a:gd name="T8" fmla="*/ 16987 w 19199"/>
-                <a:gd name="T9" fmla="*/ 1468 h 10809"/>
-                <a:gd name="T10" fmla="*/ 19199 w 19199"/>
-                <a:gd name="T11" fmla="*/ 1468 h 10809"/>
-                <a:gd name="T12" fmla="*/ 19199 w 19199"/>
-                <a:gd name="T13" fmla="*/ 0 h 10809"/>
-                <a:gd name="T14" fmla="*/ 0 w 19199"/>
-                <a:gd name="T15" fmla="*/ 0 h 10809"/>
-                <a:gd name="T16" fmla="*/ 0 w 19199"/>
-                <a:gd name="T17" fmla="*/ 10809 h 10809"/>
-                <a:gd name="T18" fmla="*/ 19199 w 19199"/>
-                <a:gd name="T19" fmla="*/ 10809 h 10809"/>
-                <a:gd name="T20" fmla="*/ 19199 w 19199"/>
-                <a:gd name="T21" fmla="*/ 9340 h 10809"/>
-              </a:gdLst>
-              <a:ahLst/>
-              <a:cxnLst>
-                <a:cxn ang="0">
-                  <a:pos x="T0" y="T1"/>
-                </a:cxn>
-                <a:cxn ang="0">
-                  <a:pos x="T2" y="T3"/>
-                </a:cxn>
-                <a:cxn ang="0">
-                  <a:pos x="T4" y="T5"/>
-                </a:cxn>
-                <a:cxn ang="0">
-                  <a:pos x="T6" y="T7"/>
-                </a:cxn>
-                <a:cxn ang="0">
-                  <a:pos x="T8" y="T9"/>
-                </a:cxn>
-                <a:cxn ang="0">
-                  <a:pos x="T10" y="T11"/>
-                </a:cxn>
-                <a:cxn ang="0">
-                  <a:pos x="T12" y="T13"/>
-                </a:cxn>
-                <a:cxn ang="0">
-                  <a:pos x="T14" y="T15"/>
-                </a:cxn>
-                <a:cxn ang="0">
-                  <a:pos x="T16" y="T17"/>
-                </a:cxn>
-                <a:cxn ang="0">
-                  <a:pos x="T18" y="T19"/>
-                </a:cxn>
-                <a:cxn ang="0">
-                  <a:pos x="T20" y="T21"/>
-                </a:cxn>
-              </a:cxnLst>
-              <a:rect l="0" t="0" r="r" b="b"/>
-              <a:pathLst>
-                <a:path w="19199" h="10809">
-                  <a:moveTo>
-                    <a:pt x="19199" y="9340"/>
-                  </a:moveTo>
-                  <a:lnTo>
-                    <a:pt x="19199" y="9340"/>
-                  </a:lnTo>
-                  <a:lnTo>
-                    <a:pt x="16987" y="9340"/>
-                  </a:lnTo>
-                  <a:cubicBezTo>
-                    <a:pt x="14808" y="9340"/>
-                    <a:pt x="13055" y="7602"/>
-                    <a:pt x="13055" y="5408"/>
-                  </a:cubicBezTo>
-                  <a:cubicBezTo>
-                    <a:pt x="13055" y="3205"/>
-                    <a:pt x="14808" y="1468"/>
-                    <a:pt x="16987" y="1468"/>
-                  </a:cubicBezTo>
-                  <a:lnTo>
-                    <a:pt x="19199" y="1468"/>
-                  </a:lnTo>
-                  <a:lnTo>
-                    <a:pt x="19199" y="0"/>
-                  </a:lnTo>
-                  <a:lnTo>
-                    <a:pt x="0" y="0"/>
-                  </a:lnTo>
-                  <a:lnTo>
-                    <a:pt x="0" y="10809"/>
-                  </a:lnTo>
-                  <a:lnTo>
-                    <a:pt x="19199" y="10809"/>
-                  </a:lnTo>
-                  <a:lnTo>
-                    <a:pt x="19199" y="9340"/>
-                  </a:lnTo>
-                  <a:close/>
-                </a:path>
-              </a:pathLst>
-            </a:custGeom>
-            <a:grpFill/>
-            <a:ln w="0">
-              <a:noFill/>
-              <a:prstDash val="solid"/>
-              <a:round/>
-              <a:headEnd/>
-              <a:tailEnd/>
-            </a:ln>
-          </p:spPr>
-          <p:txBody>
-            <a:bodyPr vert="horz" wrap="square" lIns="91440" tIns="45720" rIns="91440" bIns="45720" numCol="1" anchor="t" anchorCtr="0" compatLnSpc="1">
-              <a:prstTxWarp prst="textNoShape">
-                <a:avLst/>
-              </a:prstTxWarp>
-            </a:bodyPr>
-            <a:lstStyle/>
-            <a:p>
-              <a:endParaRPr lang="en-US" sz="4608" dirty="0"/>
-            </a:p>
-          </p:txBody>
-        </p:sp>
-        <p:sp>
-          <p:nvSpPr>
-            <p:cNvPr id="14" name="Freeform 9"/>
-            <p:cNvSpPr>
-              <a:spLocks noChangeAspect="1"/>
-            </p:cNvSpPr>
-            <p:nvPr userDrawn="1"/>
-          </p:nvSpPr>
-          <p:spPr bwMode="black">
-            <a:xfrm>
-              <a:off x="1131147" y="-532684"/>
-              <a:ext cx="730236" cy="639764"/>
-            </a:xfrm>
-            <a:custGeom>
-              <a:avLst/>
-              <a:gdLst>
-                <a:gd name="T0" fmla="*/ 0 w 370"/>
-                <a:gd name="T1" fmla="*/ 0 h 321"/>
-                <a:gd name="T2" fmla="*/ 0 w 370"/>
-                <a:gd name="T3" fmla="*/ 0 h 321"/>
-                <a:gd name="T4" fmla="*/ 184 w 370"/>
-                <a:gd name="T5" fmla="*/ 321 h 321"/>
-                <a:gd name="T6" fmla="*/ 370 w 370"/>
-                <a:gd name="T7" fmla="*/ 0 h 321"/>
-                <a:gd name="T8" fmla="*/ 0 w 370"/>
-                <a:gd name="T9" fmla="*/ 0 h 321"/>
-              </a:gdLst>
-              <a:ahLst/>
-              <a:cxnLst>
-                <a:cxn ang="0">
-                  <a:pos x="T0" y="T1"/>
-                </a:cxn>
-                <a:cxn ang="0">
-                  <a:pos x="T2" y="T3"/>
-                </a:cxn>
-                <a:cxn ang="0">
-                  <a:pos x="T4" y="T5"/>
-                </a:cxn>
-                <a:cxn ang="0">
-                  <a:pos x="T6" y="T7"/>
-                </a:cxn>
-                <a:cxn ang="0">
-                  <a:pos x="T8" y="T9"/>
-                </a:cxn>
-              </a:cxnLst>
-              <a:rect l="0" t="0" r="r" b="b"/>
-              <a:pathLst>
-                <a:path w="370" h="321">
-                  <a:moveTo>
-                    <a:pt x="0" y="0"/>
-                  </a:moveTo>
-                  <a:lnTo>
-                    <a:pt x="0" y="0"/>
-                  </a:lnTo>
-                  <a:lnTo>
-                    <a:pt x="184" y="321"/>
-                  </a:lnTo>
-                  <a:lnTo>
-                    <a:pt x="370" y="0"/>
-                  </a:lnTo>
-                  <a:lnTo>
-                    <a:pt x="0" y="0"/>
-                  </a:lnTo>
-                  <a:close/>
-                </a:path>
-              </a:pathLst>
-            </a:custGeom>
-            <a:grpFill/>
-            <a:ln w="0">
-              <a:noFill/>
-              <a:prstDash val="solid"/>
-              <a:round/>
-              <a:headEnd/>
-              <a:tailEnd/>
-            </a:ln>
-          </p:spPr>
-          <p:txBody>
-            <a:bodyPr vert="horz" wrap="square" lIns="146304" tIns="73152" rIns="146304" bIns="73152" numCol="1" anchor="t" anchorCtr="0" compatLnSpc="1">
-              <a:prstTxWarp prst="textNoShape">
-                <a:avLst/>
-              </a:prstTxWarp>
-            </a:bodyPr>
-            <a:lstStyle/>
-            <a:p>
-              <a:endParaRPr lang="en-US" sz="4608"/>
-            </a:p>
-          </p:txBody>
-        </p:sp>
-      </p:grpSp>
-      <p:sp>
-        <p:nvSpPr>
-          <p:cNvPr id="15" name="Title 1"/>
-          <p:cNvSpPr>
-            <a:spLocks noGrp="1"/>
-          </p:cNvSpPr>
-          <p:nvPr userDrawn="1">
-            <p:ph type="ctrTitle" hasCustomPrompt="1"/>
-          </p:nvPr>
-        </p:nvSpPr>
-        <p:spPr>
-          <a:xfrm>
-            <a:off x="283944" y="1792705"/>
-            <a:ext cx="3705728" cy="988995"/>
-          </a:xfrm>
-        </p:spPr>
-        <p:txBody>
-          <a:bodyPr anchor="b" anchorCtr="0">
-            <a:noAutofit/>
-          </a:bodyPr>
-          <a:lstStyle>
-            <a:lvl1pPr>
-              <a:defRPr sz="6000" b="1">
-                <a:solidFill>
-                  <a:schemeClr val="bg1"/>
-                </a:solidFill>
-                <a:latin typeface="GT Walsheim Pro" panose="00000500000000000000" pitchFamily="50" charset="0"/>
-              </a:defRPr>
-            </a:lvl1pPr>
-          </a:lstStyle>
-          <a:p>
-            <a:r>
-              <a:rPr lang="en-US" dirty="0" smtClean="0"/>
-              <a:t>Visit Us</a:t>
-            </a:r>
-            <a:endParaRPr lang="en-US" dirty="0"/>
-          </a:p>
-        </p:txBody>
-      </p:sp>
-      <p:sp>
-        <p:nvSpPr>
-          <p:cNvPr id="16" name="Subtitle 2"/>
-          <p:cNvSpPr>
-            <a:spLocks noGrp="1"/>
-          </p:cNvSpPr>
-          <p:nvPr userDrawn="1">
-            <p:ph type="subTitle" idx="1" hasCustomPrompt="1"/>
-          </p:nvPr>
-        </p:nvSpPr>
-        <p:spPr>
-          <a:xfrm>
-            <a:off x="283945" y="3348956"/>
-            <a:ext cx="3705728" cy="914400"/>
-          </a:xfrm>
-        </p:spPr>
-        <p:txBody>
-          <a:bodyPr>
-            <a:noAutofit/>
-          </a:bodyPr>
-          <a:lstStyle>
-            <a:lvl1pPr marL="0" indent="0" algn="l">
-              <a:spcBef>
-                <a:spcPts val="0"/>
-              </a:spcBef>
-              <a:buNone/>
-              <a:defRPr sz="2800" baseline="0">
-                <a:solidFill>
-                  <a:srgbClr val="00C9FF"/>
-                </a:solidFill>
-                <a:latin typeface="GT Walsheim Pro" panose="00000500000000000000" pitchFamily="50" charset="0"/>
-              </a:defRPr>
-            </a:lvl1pPr>
-            <a:lvl2pPr marL="731520" indent="0" algn="ctr">
-              <a:buNone/>
-              <a:defRPr>
-                <a:solidFill>
-                  <a:schemeClr val="tx1">
-                    <a:tint val="75000"/>
-                  </a:schemeClr>
-                </a:solidFill>
-              </a:defRPr>
-            </a:lvl2pPr>
-            <a:lvl3pPr marL="1463040" indent="0" algn="ctr">
-              <a:buNone/>
-              <a:defRPr>
-                <a:solidFill>
-                  <a:schemeClr val="tx1">
-                    <a:tint val="75000"/>
-                  </a:schemeClr>
-                </a:solidFill>
-              </a:defRPr>
-            </a:lvl3pPr>
-            <a:lvl4pPr marL="2194560" indent="0" algn="ctr">
-              <a:buNone/>
-              <a:defRPr>
-                <a:solidFill>
-                  <a:schemeClr val="tx1">
-                    <a:tint val="75000"/>
-                  </a:schemeClr>
-                </a:solidFill>
-              </a:defRPr>
-            </a:lvl4pPr>
-            <a:lvl5pPr marL="2926080" indent="0" algn="ctr">
-              <a:buNone/>
-              <a:defRPr>
-                <a:solidFill>
-                  <a:schemeClr val="tx1">
-                    <a:tint val="75000"/>
-                  </a:schemeClr>
-                </a:solidFill>
-              </a:defRPr>
-            </a:lvl5pPr>
-            <a:lvl6pPr marL="3657600" indent="0" algn="ctr">
-              <a:buNone/>
-              <a:defRPr>
-                <a:solidFill>
-                  <a:schemeClr val="tx1">
-                    <a:tint val="75000"/>
-                  </a:schemeClr>
-                </a:solidFill>
-              </a:defRPr>
-            </a:lvl6pPr>
-            <a:lvl7pPr marL="4389120" indent="0" algn="ctr">
-              <a:buNone/>
-              <a:defRPr>
-                <a:solidFill>
-                  <a:schemeClr val="tx1">
-                    <a:tint val="75000"/>
-                  </a:schemeClr>
-                </a:solidFill>
-              </a:defRPr>
-            </a:lvl7pPr>
-            <a:lvl8pPr marL="5120640" indent="0" algn="ctr">
-              <a:buNone/>
-              <a:defRPr>
-                <a:solidFill>
-                  <a:schemeClr val="tx1">
-                    <a:tint val="75000"/>
-                  </a:schemeClr>
-                </a:solidFill>
-              </a:defRPr>
-            </a:lvl8pPr>
-            <a:lvl9pPr marL="5852160" indent="0" algn="ctr">
-              <a:buNone/>
-              <a:defRPr>
-                <a:solidFill>
-                  <a:schemeClr val="tx1">
-                    <a:tint val="75000"/>
-                  </a:schemeClr>
-                </a:solidFill>
-              </a:defRPr>
-            </a:lvl9pPr>
-          </a:lstStyle>
-          <a:p>
-            <a:r>
-              <a:rPr lang="en-GB" dirty="0" smtClean="0"/>
-              <a:t>To schedule a visit to our digital site please get in touch.</a:t>
-            </a:r>
-            <a:endParaRPr lang="en-US" dirty="0"/>
-          </a:p>
-        </p:txBody>
-      </p:sp>
     </p:spTree>
     <p:extLst>
       <p:ext uri="{BB962C8B-B14F-4D97-AF65-F5344CB8AC3E}">
@@ -13352,7 +12058,7 @@
                   <a:spcPts val="0"/>
                 </a:spcBef>
               </a:pPr>
-              <a:t>July 24, 2019</a:t>
+              <a:t>August 21, 2019</a:t>
             </a:fld>
             <a:endParaRPr lang="en-US" sz="1100" b="0" dirty="0">
               <a:solidFill>
@@ -13940,7 +12646,7 @@
             <a:spLocks noGrp="1"/>
           </p:cNvSpPr>
           <p:nvPr>
-            <p:ph type="ctrTitle"/>
+            <p:ph type="ctrTitle" idx="4294967295"/>
           </p:nvPr>
         </p:nvSpPr>
         <p:spPr>
@@ -13961,65 +12667,36 @@
           </a:p>
         </p:txBody>
       </p:sp>
-      <p:sp>
-        <p:nvSpPr>
-          <p:cNvPr id="21" name="Subtitle 20"/>
-          <p:cNvSpPr>
-            <a:spLocks noGrp="1"/>
-          </p:cNvSpPr>
-          <p:nvPr>
-            <p:ph type="subTitle" idx="1"/>
-          </p:nvPr>
-        </p:nvSpPr>
+      <p:pic>
+        <p:nvPicPr>
+          <p:cNvPr id="2" name="Picture 1"/>
+          <p:cNvPicPr>
+            <a:picLocks noChangeAspect="1"/>
+          </p:cNvPicPr>
+          <p:nvPr/>
+        </p:nvPicPr>
+        <p:blipFill>
+          <a:blip r:embed="rId2">
+            <a:extLst>
+              <a:ext uri="{28A0092B-C50C-407E-A947-70E740481C1C}">
+                <a14:useLocalDpi xmlns:a14="http://schemas.microsoft.com/office/drawing/2010/main" val="0"/>
+              </a:ext>
+            </a:extLst>
+          </a:blip>
+          <a:stretch>
+            <a:fillRect/>
+          </a:stretch>
+        </p:blipFill>
         <p:spPr>
           <a:xfrm>
-            <a:off x="419011" y="3011492"/>
-            <a:ext cx="3593432" cy="914400"/>
+            <a:off x="3200400" y="0"/>
+            <a:ext cx="8229600" cy="8229600"/>
           </a:xfrm>
+          <a:prstGeom prst="rect">
+            <a:avLst/>
+          </a:prstGeom>
         </p:spPr>
-        <p:txBody>
-          <a:bodyPr/>
-          <a:lstStyle/>
-          <a:p>
-            <a:r>
-              <a:rPr lang="en-GB" b="0" dirty="0" smtClean="0">
-                <a:solidFill>
-                  <a:schemeClr val="bg1"/>
-                </a:solidFill>
-              </a:rPr>
-              <a:t>Keep up to date with our digital </a:t>
-            </a:r>
-            <a:r>
-              <a:rPr lang="en-GB" b="0" dirty="0">
-                <a:solidFill>
-                  <a:schemeClr val="bg1"/>
-                </a:solidFill>
-              </a:rPr>
-              <a:t>d</a:t>
-            </a:r>
-            <a:r>
-              <a:rPr lang="en-GB" b="0" dirty="0" smtClean="0">
-                <a:solidFill>
-                  <a:schemeClr val="bg1"/>
-                </a:solidFill>
-              </a:rPr>
-              <a:t>iscussions with our blog.</a:t>
-            </a:r>
-            <a:endParaRPr lang="en-US" b="0" dirty="0">
-              <a:solidFill>
-                <a:schemeClr val="bg1"/>
-              </a:solidFill>
-            </a:endParaRPr>
-          </a:p>
-          <a:p>
-            <a:endParaRPr lang="en-US" b="0" dirty="0">
-              <a:solidFill>
-                <a:schemeClr val="bg1"/>
-              </a:solidFill>
-            </a:endParaRPr>
-          </a:p>
-        </p:txBody>
-      </p:sp>
+      </p:pic>
     </p:spTree>
     <p:extLst>
       <p:ext uri="{BB962C8B-B14F-4D97-AF65-F5344CB8AC3E}">

--- a/images/img_slider_template.pptx
+++ b/images/img_slider_template.pptx
@@ -5300,7 +5300,7 @@
           <p:cNvPr id="46" name="Picture 45">
             <a:extLst>
               <a:ext uri="{FF2B5EF4-FFF2-40B4-BE49-F238E27FC236}">
-                <a16:creationId xmlns:a16="http://schemas.microsoft.com/office/drawing/2014/main" xmlns="" id="{91187660-0B2C-49B8-A9C6-69050469D9F9}"/>
+                <a16:creationId xmlns="" xmlns:a16="http://schemas.microsoft.com/office/drawing/2014/main" id="{91187660-0B2C-49B8-A9C6-69050469D9F9}"/>
               </a:ext>
             </a:extLst>
           </p:cNvPr>
@@ -5335,7 +5335,7 @@
           <p:cNvPr id="47" name="Group 46">
             <a:extLst>
               <a:ext uri="{FF2B5EF4-FFF2-40B4-BE49-F238E27FC236}">
-                <a16:creationId xmlns:a16="http://schemas.microsoft.com/office/drawing/2014/main" xmlns="" id="{9BDC13DC-430C-419B-B8B3-483CAC2DA90A}"/>
+                <a16:creationId xmlns="" xmlns:a16="http://schemas.microsoft.com/office/drawing/2014/main" id="{9BDC13DC-430C-419B-B8B3-483CAC2DA90A}"/>
               </a:ext>
             </a:extLst>
           </p:cNvPr>
@@ -5355,7 +5355,7 @@
             <p:cNvPr id="48" name="Freeform 5">
               <a:extLst>
                 <a:ext uri="{FF2B5EF4-FFF2-40B4-BE49-F238E27FC236}">
-                  <a16:creationId xmlns:a16="http://schemas.microsoft.com/office/drawing/2014/main" xmlns="" id="{5E83A453-A26B-4D5A-A017-0A7C0152672E}"/>
+                  <a16:creationId xmlns="" xmlns:a16="http://schemas.microsoft.com/office/drawing/2014/main" id="{5E83A453-A26B-4D5A-A017-0A7C0152672E}"/>
                 </a:ext>
               </a:extLst>
             </p:cNvPr>
@@ -5503,7 +5503,7 @@
             <p:cNvPr id="50" name="Freeform 9">
               <a:extLst>
                 <a:ext uri="{FF2B5EF4-FFF2-40B4-BE49-F238E27FC236}">
-                  <a16:creationId xmlns:a16="http://schemas.microsoft.com/office/drawing/2014/main" xmlns="" id="{4D3F48B2-15F7-403D-8A83-2D9F8AC83391}"/>
+                  <a16:creationId xmlns="" xmlns:a16="http://schemas.microsoft.com/office/drawing/2014/main" id="{4D3F48B2-15F7-403D-8A83-2D9F8AC83391}"/>
                 </a:ext>
               </a:extLst>
             </p:cNvPr>
@@ -6640,7 +6640,7 @@
           <p:cNvPr id="51" name="Text Box 115">
             <a:extLst>
               <a:ext uri="{FF2B5EF4-FFF2-40B4-BE49-F238E27FC236}">
-                <a16:creationId xmlns:a16="http://schemas.microsoft.com/office/drawing/2014/main" xmlns="" id="{3DC7301A-0634-4DDE-84BD-D6A61E2D11D6}"/>
+                <a16:creationId xmlns="" xmlns:a16="http://schemas.microsoft.com/office/drawing/2014/main" id="{3DC7301A-0634-4DDE-84BD-D6A61E2D11D6}"/>
               </a:ext>
             </a:extLst>
           </p:cNvPr>
@@ -6703,7 +6703,7 @@
           <p:cNvPr id="52" name="Text Box 115">
             <a:extLst>
               <a:ext uri="{FF2B5EF4-FFF2-40B4-BE49-F238E27FC236}">
-                <a16:creationId xmlns:a16="http://schemas.microsoft.com/office/drawing/2014/main" xmlns="" id="{D4093138-40BC-4732-A9D2-201E13AAF4BC}"/>
+                <a16:creationId xmlns="" xmlns:a16="http://schemas.microsoft.com/office/drawing/2014/main" id="{D4093138-40BC-4732-A9D2-201E13AAF4BC}"/>
               </a:ext>
             </a:extLst>
           </p:cNvPr>
@@ -6766,7 +6766,7 @@
           <p:cNvPr id="53" name="Footer Placeholder 4">
             <a:extLst>
               <a:ext uri="{FF2B5EF4-FFF2-40B4-BE49-F238E27FC236}">
-                <a16:creationId xmlns:a16="http://schemas.microsoft.com/office/drawing/2014/main" xmlns="" id="{DF295466-17A7-4B12-83BA-08D9B1935DE9}"/>
+                <a16:creationId xmlns="" xmlns:a16="http://schemas.microsoft.com/office/drawing/2014/main" id="{DF295466-17A7-4B12-83BA-08D9B1935DE9}"/>
               </a:ext>
             </a:extLst>
           </p:cNvPr>
@@ -6899,7 +6899,7 @@
           <p:cNvPr id="54" name="Picture 53">
             <a:extLst>
               <a:ext uri="{FF2B5EF4-FFF2-40B4-BE49-F238E27FC236}">
-                <a16:creationId xmlns:a16="http://schemas.microsoft.com/office/drawing/2014/main" xmlns="" id="{A4DF1B85-70B4-4DEE-91CE-EF07BE2AB916}"/>
+                <a16:creationId xmlns="" xmlns:a16="http://schemas.microsoft.com/office/drawing/2014/main" id="{A4DF1B85-70B4-4DEE-91CE-EF07BE2AB916}"/>
               </a:ext>
             </a:extLst>
           </p:cNvPr>
@@ -12689,8 +12689,38 @@
         </p:blipFill>
         <p:spPr>
           <a:xfrm>
-            <a:off x="3200400" y="0"/>
-            <a:ext cx="8229600" cy="8229600"/>
+            <a:off x="631371" y="163285"/>
+            <a:ext cx="7794171" cy="7794171"/>
+          </a:xfrm>
+          <a:prstGeom prst="rect">
+            <a:avLst/>
+          </a:prstGeom>
+        </p:spPr>
+      </p:pic>
+      <p:pic>
+        <p:nvPicPr>
+          <p:cNvPr id="3" name="Picture 2"/>
+          <p:cNvPicPr>
+            <a:picLocks noChangeAspect="1"/>
+          </p:cNvPicPr>
+          <p:nvPr/>
+        </p:nvPicPr>
+        <p:blipFill>
+          <a:blip r:embed="rId3">
+            <a:extLst>
+              <a:ext uri="{28A0092B-C50C-407E-A947-70E740481C1C}">
+                <a14:useLocalDpi xmlns:a14="http://schemas.microsoft.com/office/drawing/2010/main" val="0"/>
+              </a:ext>
+            </a:extLst>
+          </a:blip>
+          <a:stretch>
+            <a:fillRect/>
+          </a:stretch>
+        </p:blipFill>
+        <p:spPr>
+          <a:xfrm>
+            <a:off x="9143998" y="1970313"/>
+            <a:ext cx="4746171" cy="4746171"/>
           </a:xfrm>
           <a:prstGeom prst="rect">
             <a:avLst/>

--- a/images/img_slider_template.pptx
+++ b/images/img_slider_template.pptx
@@ -3568,7 +3568,7 @@
 </file>
 
 <file path=ppt/slideLayouts/slideLayout11.xml><?xml version="1.0" encoding="utf-8"?>
-<p:sldLayout xmlns:a="http://schemas.openxmlformats.org/drawingml/2006/main" xmlns:r="http://schemas.openxmlformats.org/officeDocument/2006/relationships" xmlns:p="http://schemas.openxmlformats.org/presentationml/2006/main" preserve="1" userDrawn="1">
+<p:sldLayout xmlns:a="http://schemas.openxmlformats.org/drawingml/2006/main" xmlns:r="http://schemas.openxmlformats.org/officeDocument/2006/relationships" xmlns:p="http://schemas.openxmlformats.org/presentationml/2006/main" showMasterSp="0" preserve="1" userDrawn="1">
   <p:cSld name="Big Statement">
     <p:spTree>
       <p:nvGrpSpPr>
@@ -5273,14 +5273,6 @@
 <file path=ppt/slideLayouts/slideLayout13.xml><?xml version="1.0" encoding="utf-8"?>
 <p:sldLayout xmlns:a="http://schemas.openxmlformats.org/drawingml/2006/main" xmlns:r="http://schemas.openxmlformats.org/officeDocument/2006/relationships" xmlns:p="http://schemas.openxmlformats.org/presentationml/2006/main" showMasterSp="0" preserve="1" userDrawn="1">
   <p:cSld name="Section Header 02">
-    <p:bg>
-      <p:bgPr>
-        <a:solidFill>
-          <a:srgbClr val="000000"/>
-        </a:solidFill>
-        <a:effectLst/>
-      </p:bgPr>
-    </p:bg>
     <p:spTree>
       <p:nvGrpSpPr>
         <p:cNvPr id="1" name=""/>
@@ -5300,7 +5292,7 @@
           <p:cNvPr id="46" name="Picture 45">
             <a:extLst>
               <a:ext uri="{FF2B5EF4-FFF2-40B4-BE49-F238E27FC236}">
-                <a16:creationId xmlns="" xmlns:a16="http://schemas.microsoft.com/office/drawing/2014/main" id="{91187660-0B2C-49B8-A9C6-69050469D9F9}"/>
+                <a16:creationId xmlns:a16="http://schemas.microsoft.com/office/drawing/2014/main" xmlns="" id="{91187660-0B2C-49B8-A9C6-69050469D9F9}"/>
               </a:ext>
             </a:extLst>
           </p:cNvPr>
@@ -5335,7 +5327,7 @@
           <p:cNvPr id="47" name="Group 46">
             <a:extLst>
               <a:ext uri="{FF2B5EF4-FFF2-40B4-BE49-F238E27FC236}">
-                <a16:creationId xmlns="" xmlns:a16="http://schemas.microsoft.com/office/drawing/2014/main" id="{9BDC13DC-430C-419B-B8B3-483CAC2DA90A}"/>
+                <a16:creationId xmlns:a16="http://schemas.microsoft.com/office/drawing/2014/main" xmlns="" id="{9BDC13DC-430C-419B-B8B3-483CAC2DA90A}"/>
               </a:ext>
             </a:extLst>
           </p:cNvPr>
@@ -5355,7 +5347,7 @@
             <p:cNvPr id="48" name="Freeform 5">
               <a:extLst>
                 <a:ext uri="{FF2B5EF4-FFF2-40B4-BE49-F238E27FC236}">
-                  <a16:creationId xmlns="" xmlns:a16="http://schemas.microsoft.com/office/drawing/2014/main" id="{5E83A453-A26B-4D5A-A017-0A7C0152672E}"/>
+                  <a16:creationId xmlns:a16="http://schemas.microsoft.com/office/drawing/2014/main" xmlns="" id="{5E83A453-A26B-4D5A-A017-0A7C0152672E}"/>
                 </a:ext>
               </a:extLst>
             </p:cNvPr>
@@ -5503,7 +5495,7 @@
             <p:cNvPr id="50" name="Freeform 9">
               <a:extLst>
                 <a:ext uri="{FF2B5EF4-FFF2-40B4-BE49-F238E27FC236}">
-                  <a16:creationId xmlns="" xmlns:a16="http://schemas.microsoft.com/office/drawing/2014/main" id="{4D3F48B2-15F7-403D-8A83-2D9F8AC83391}"/>
+                  <a16:creationId xmlns:a16="http://schemas.microsoft.com/office/drawing/2014/main" xmlns="" id="{4D3F48B2-15F7-403D-8A83-2D9F8AC83391}"/>
                 </a:ext>
               </a:extLst>
             </p:cNvPr>
@@ -6640,7 +6632,7 @@
           <p:cNvPr id="51" name="Text Box 115">
             <a:extLst>
               <a:ext uri="{FF2B5EF4-FFF2-40B4-BE49-F238E27FC236}">
-                <a16:creationId xmlns="" xmlns:a16="http://schemas.microsoft.com/office/drawing/2014/main" id="{3DC7301A-0634-4DDE-84BD-D6A61E2D11D6}"/>
+                <a16:creationId xmlns:a16="http://schemas.microsoft.com/office/drawing/2014/main" xmlns="" id="{3DC7301A-0634-4DDE-84BD-D6A61E2D11D6}"/>
               </a:ext>
             </a:extLst>
           </p:cNvPr>
@@ -6703,7 +6695,7 @@
           <p:cNvPr id="52" name="Text Box 115">
             <a:extLst>
               <a:ext uri="{FF2B5EF4-FFF2-40B4-BE49-F238E27FC236}">
-                <a16:creationId xmlns="" xmlns:a16="http://schemas.microsoft.com/office/drawing/2014/main" id="{D4093138-40BC-4732-A9D2-201E13AAF4BC}"/>
+                <a16:creationId xmlns:a16="http://schemas.microsoft.com/office/drawing/2014/main" xmlns="" id="{D4093138-40BC-4732-A9D2-201E13AAF4BC}"/>
               </a:ext>
             </a:extLst>
           </p:cNvPr>
@@ -6766,7 +6758,7 @@
           <p:cNvPr id="53" name="Footer Placeholder 4">
             <a:extLst>
               <a:ext uri="{FF2B5EF4-FFF2-40B4-BE49-F238E27FC236}">
-                <a16:creationId xmlns="" xmlns:a16="http://schemas.microsoft.com/office/drawing/2014/main" id="{DF295466-17A7-4B12-83BA-08D9B1935DE9}"/>
+                <a16:creationId xmlns:a16="http://schemas.microsoft.com/office/drawing/2014/main" xmlns="" id="{DF295466-17A7-4B12-83BA-08D9B1935DE9}"/>
               </a:ext>
             </a:extLst>
           </p:cNvPr>
@@ -6899,7 +6891,7 @@
           <p:cNvPr id="54" name="Picture 53">
             <a:extLst>
               <a:ext uri="{FF2B5EF4-FFF2-40B4-BE49-F238E27FC236}">
-                <a16:creationId xmlns="" xmlns:a16="http://schemas.microsoft.com/office/drawing/2014/main" id="{A4DF1B85-70B4-4DEE-91CE-EF07BE2AB916}"/>
+                <a16:creationId xmlns:a16="http://schemas.microsoft.com/office/drawing/2014/main" xmlns="" id="{A4DF1B85-70B4-4DEE-91CE-EF07BE2AB916}"/>
               </a:ext>
             </a:extLst>
           </p:cNvPr>
@@ -6948,14 +6940,6 @@
 <file path=ppt/slideLayouts/slideLayout14.xml><?xml version="1.0" encoding="utf-8"?>
 <p:sldLayout xmlns:a="http://schemas.openxmlformats.org/drawingml/2006/main" xmlns:r="http://schemas.openxmlformats.org/officeDocument/2006/relationships" xmlns:p="http://schemas.openxmlformats.org/presentationml/2006/main" showMasterSp="0" preserve="1" userDrawn="1">
   <p:cSld name="Big Picture">
-    <p:bg>
-      <p:bgPr>
-        <a:solidFill>
-          <a:srgbClr val="000000"/>
-        </a:solidFill>
-        <a:effectLst/>
-      </p:bgPr>
-    </p:bg>
     <p:spTree>
       <p:nvGrpSpPr>
         <p:cNvPr id="1" name=""/>
@@ -9654,14 +9638,6 @@
 <file path=ppt/slideLayouts/slideLayout3.xml><?xml version="1.0" encoding="utf-8"?>
 <p:sldLayout xmlns:a="http://schemas.openxmlformats.org/drawingml/2006/main" xmlns:r="http://schemas.openxmlformats.org/officeDocument/2006/relationships" xmlns:p="http://schemas.openxmlformats.org/presentationml/2006/main" showMasterSp="0" preserve="1" userDrawn="1">
   <p:cSld name="Title Slide 04">
-    <p:bg>
-      <p:bgPr>
-        <a:solidFill>
-          <a:schemeClr val="tx1"/>
-        </a:solidFill>
-        <a:effectLst/>
-      </p:bgPr>
-    </p:bg>
     <p:spTree>
       <p:nvGrpSpPr>
         <p:cNvPr id="1" name=""/>
@@ -9702,7 +9678,7 @@
 </file>
 
 <file path=ppt/slideLayouts/slideLayout4.xml><?xml version="1.0" encoding="utf-8"?>
-<p:sldLayout xmlns:a="http://schemas.openxmlformats.org/drawingml/2006/main" xmlns:r="http://schemas.openxmlformats.org/officeDocument/2006/relationships" xmlns:p="http://schemas.openxmlformats.org/presentationml/2006/main" preserve="1" userDrawn="1">
+<p:sldLayout xmlns:a="http://schemas.openxmlformats.org/drawingml/2006/main" xmlns:r="http://schemas.openxmlformats.org/officeDocument/2006/relationships" xmlns:p="http://schemas.openxmlformats.org/presentationml/2006/main" showMasterSp="0" preserve="1" userDrawn="1">
   <p:cSld name="Agenda">
     <p:spTree>
       <p:nvGrpSpPr>
@@ -9926,7 +9902,7 @@
 </file>
 
 <file path=ppt/slideLayouts/slideLayout5.xml><?xml version="1.0" encoding="utf-8"?>
-<p:sldLayout xmlns:a="http://schemas.openxmlformats.org/drawingml/2006/main" xmlns:r="http://schemas.openxmlformats.org/officeDocument/2006/relationships" xmlns:p="http://schemas.openxmlformats.org/presentationml/2006/main" type="obj" preserve="1">
+<p:sldLayout xmlns:a="http://schemas.openxmlformats.org/drawingml/2006/main" xmlns:r="http://schemas.openxmlformats.org/officeDocument/2006/relationships" xmlns:p="http://schemas.openxmlformats.org/presentationml/2006/main" showMasterSp="0" type="obj" preserve="1">
   <p:cSld name="Title and Content">
     <p:spTree>
       <p:nvGrpSpPr>
@@ -10074,7 +10050,7 @@
 </file>
 
 <file path=ppt/slideLayouts/slideLayout6.xml><?xml version="1.0" encoding="utf-8"?>
-<p:sldLayout xmlns:a="http://schemas.openxmlformats.org/drawingml/2006/main" xmlns:r="http://schemas.openxmlformats.org/officeDocument/2006/relationships" xmlns:p="http://schemas.openxmlformats.org/presentationml/2006/main" type="obj" preserve="1">
+<p:sldLayout xmlns:a="http://schemas.openxmlformats.org/drawingml/2006/main" xmlns:r="http://schemas.openxmlformats.org/officeDocument/2006/relationships" xmlns:p="http://schemas.openxmlformats.org/presentationml/2006/main" showMasterSp="0" type="obj" preserve="1">
   <p:cSld name="Bulleted Content">
     <p:spTree>
       <p:nvGrpSpPr>
@@ -10257,7 +10233,7 @@
 </file>
 
 <file path=ppt/slideLayouts/slideLayout7.xml><?xml version="1.0" encoding="utf-8"?>
-<p:sldLayout xmlns:a="http://schemas.openxmlformats.org/drawingml/2006/main" xmlns:r="http://schemas.openxmlformats.org/officeDocument/2006/relationships" xmlns:p="http://schemas.openxmlformats.org/presentationml/2006/main" type="titleOnly" preserve="1">
+<p:sldLayout xmlns:a="http://schemas.openxmlformats.org/drawingml/2006/main" xmlns:r="http://schemas.openxmlformats.org/officeDocument/2006/relationships" xmlns:p="http://schemas.openxmlformats.org/presentationml/2006/main" showMasterSp="0" type="titleOnly" preserve="1">
   <p:cSld name="Title Only">
     <p:spTree>
       <p:nvGrpSpPr>
@@ -10317,7 +10293,7 @@
 </file>
 
 <file path=ppt/slideLayouts/slideLayout8.xml><?xml version="1.0" encoding="utf-8"?>
-<p:sldLayout xmlns:a="http://schemas.openxmlformats.org/drawingml/2006/main" xmlns:r="http://schemas.openxmlformats.org/officeDocument/2006/relationships" xmlns:p="http://schemas.openxmlformats.org/presentationml/2006/main" preserve="1" userDrawn="1">
+<p:sldLayout xmlns:a="http://schemas.openxmlformats.org/drawingml/2006/main" xmlns:r="http://schemas.openxmlformats.org/officeDocument/2006/relationships" xmlns:p="http://schemas.openxmlformats.org/presentationml/2006/main" showMasterSp="0" preserve="1" userDrawn="1">
   <p:cSld name="Two Content">
     <p:spTree>
       <p:nvGrpSpPr>
@@ -10569,7 +10545,7 @@
 </file>
 
 <file path=ppt/slideLayouts/slideLayout9.xml><?xml version="1.0" encoding="utf-8"?>
-<p:sldLayout xmlns:a="http://schemas.openxmlformats.org/drawingml/2006/main" xmlns:r="http://schemas.openxmlformats.org/officeDocument/2006/relationships" xmlns:p="http://schemas.openxmlformats.org/presentationml/2006/main" preserve="1" userDrawn="1">
+<p:sldLayout xmlns:a="http://schemas.openxmlformats.org/drawingml/2006/main" xmlns:r="http://schemas.openxmlformats.org/officeDocument/2006/relationships" xmlns:p="http://schemas.openxmlformats.org/presentationml/2006/main" showMasterSp="0" preserve="1" userDrawn="1">
   <p:cSld name="Three Content">
     <p:spTree>
       <p:nvGrpSpPr>
@@ -12623,8 +12599,16 @@
 </file>
 
 <file path=ppt/slides/slide1.xml><?xml version="1.0" encoding="utf-8"?>
-<p:sld xmlns:a="http://schemas.openxmlformats.org/drawingml/2006/main" xmlns:r="http://schemas.openxmlformats.org/officeDocument/2006/relationships" xmlns:p="http://schemas.openxmlformats.org/presentationml/2006/main">
+<p:sld xmlns:a="http://schemas.openxmlformats.org/drawingml/2006/main" xmlns:r="http://schemas.openxmlformats.org/officeDocument/2006/relationships" xmlns:p="http://schemas.openxmlformats.org/presentationml/2006/main" showMasterSp="0">
   <p:cSld>
+    <p:bg>
+      <p:bgPr>
+        <a:solidFill>
+          <a:schemeClr val="tx1"/>
+        </a:solidFill>
+        <a:effectLst/>
+      </p:bgPr>
+    </p:bg>
     <p:spTree>
       <p:nvGrpSpPr>
         <p:cNvPr id="1" name=""/>
@@ -12639,37 +12623,9 @@
           <a:chExt cx="0" cy="0"/>
         </a:xfrm>
       </p:grpSpPr>
-      <p:sp>
-        <p:nvSpPr>
-          <p:cNvPr id="20" name="Title 19"/>
-          <p:cNvSpPr>
-            <a:spLocks noGrp="1"/>
-          </p:cNvSpPr>
-          <p:nvPr>
-            <p:ph type="ctrTitle" idx="4294967295"/>
-          </p:nvPr>
-        </p:nvSpPr>
-        <p:spPr>
-          <a:xfrm>
-            <a:off x="419011" y="1701128"/>
-            <a:ext cx="3709796" cy="1177324"/>
-          </a:xfrm>
-        </p:spPr>
-        <p:txBody>
-          <a:bodyPr/>
-          <a:lstStyle/>
-          <a:p>
-            <a:r>
-              <a:rPr lang="en-GB" dirty="0" smtClean="0"/>
-              <a:t>News</a:t>
-            </a:r>
-            <a:endParaRPr lang="en-US" dirty="0"/>
-          </a:p>
-        </p:txBody>
-      </p:sp>
       <p:pic>
         <p:nvPicPr>
-          <p:cNvPr id="2" name="Picture 1"/>
+          <p:cNvPr id="7" name="Picture 6"/>
           <p:cNvPicPr>
             <a:picLocks noChangeAspect="1"/>
           </p:cNvPicPr>
@@ -12689,8 +12645,8 @@
         </p:blipFill>
         <p:spPr>
           <a:xfrm>
-            <a:off x="631371" y="163285"/>
-            <a:ext cx="7794171" cy="7794171"/>
+            <a:off x="6424863" y="429065"/>
+            <a:ext cx="6112042" cy="7304775"/>
           </a:xfrm>
           <a:prstGeom prst="rect">
             <a:avLst/>
@@ -12699,13 +12655,13 @@
       </p:pic>
       <p:pic>
         <p:nvPicPr>
-          <p:cNvPr id="3" name="Picture 2"/>
+          <p:cNvPr id="8" name="Picture 7"/>
           <p:cNvPicPr>
             <a:picLocks noChangeAspect="1"/>
           </p:cNvPicPr>
           <p:nvPr/>
         </p:nvPicPr>
-        <p:blipFill>
+        <p:blipFill rotWithShape="1">
           <a:blip r:embed="rId3">
             <a:extLst>
               <a:ext uri="{28A0092B-C50C-407E-A947-70E740481C1C}">
@@ -12713,20 +12669,77 @@
               </a:ext>
             </a:extLst>
           </a:blip>
-          <a:stretch>
-            <a:fillRect/>
-          </a:stretch>
+          <a:srcRect t="15755" b="23851"/>
+          <a:stretch/>
         </p:blipFill>
         <p:spPr>
           <a:xfrm>
-            <a:off x="9143998" y="1970313"/>
-            <a:ext cx="4746171" cy="4746171"/>
+            <a:off x="186490" y="4788568"/>
+            <a:ext cx="5498432" cy="3320716"/>
           </a:xfrm>
           <a:prstGeom prst="rect">
             <a:avLst/>
           </a:prstGeom>
         </p:spPr>
       </p:pic>
+      <p:sp>
+        <p:nvSpPr>
+          <p:cNvPr id="9" name="TextBox 8"/>
+          <p:cNvSpPr txBox="1"/>
+          <p:nvPr/>
+        </p:nvSpPr>
+        <p:spPr>
+          <a:xfrm>
+            <a:off x="385011" y="1203158"/>
+            <a:ext cx="5787189" cy="1477328"/>
+          </a:xfrm>
+          <a:prstGeom prst="rect">
+            <a:avLst/>
+          </a:prstGeom>
+          <a:noFill/>
+        </p:spPr>
+        <p:txBody>
+          <a:bodyPr wrap="square" rtlCol="0">
+            <a:spAutoFit/>
+          </a:bodyPr>
+          <a:lstStyle/>
+          <a:p>
+            <a:r>
+              <a:rPr lang="en-GB" sz="3000" dirty="0" smtClean="0">
+                <a:solidFill>
+                  <a:schemeClr val="bg1"/>
+                </a:solidFill>
+                <a:latin typeface="GT Walsheim Pro" panose="00000500000000000000" pitchFamily="50" charset="0"/>
+              </a:rPr>
+              <a:t>To see other tattoos Alessandra </a:t>
+            </a:r>
+            <a:r>
+              <a:rPr lang="en-GB" sz="3000" dirty="0" err="1" smtClean="0">
+                <a:solidFill>
+                  <a:schemeClr val="bg1"/>
+                </a:solidFill>
+                <a:latin typeface="GT Walsheim Pro" panose="00000500000000000000" pitchFamily="50" charset="0"/>
+              </a:rPr>
+              <a:t>Petrozzi</a:t>
+            </a:r>
+            <a:r>
+              <a:rPr lang="en-GB" sz="3000" dirty="0" smtClean="0">
+                <a:solidFill>
+                  <a:schemeClr val="bg1"/>
+                </a:solidFill>
+                <a:latin typeface="GT Walsheim Pro" panose="00000500000000000000" pitchFamily="50" charset="0"/>
+              </a:rPr>
+              <a:t> has created have a look at her Portfolio.</a:t>
+            </a:r>
+            <a:endParaRPr lang="en-US" sz="3000" dirty="0">
+              <a:solidFill>
+                <a:schemeClr val="bg1"/>
+              </a:solidFill>
+              <a:latin typeface="GT Walsheim Pro" panose="00000500000000000000" pitchFamily="50" charset="0"/>
+            </a:endParaRPr>
+          </a:p>
+        </p:txBody>
+      </p:sp>
     </p:spTree>
     <p:extLst>
       <p:ext uri="{BB962C8B-B14F-4D97-AF65-F5344CB8AC3E}">

--- a/images/img_slider_template.pptx
+++ b/images/img_slider_template.pptx
@@ -5292,7 +5292,7 @@
           <p:cNvPr id="46" name="Picture 45">
             <a:extLst>
               <a:ext uri="{FF2B5EF4-FFF2-40B4-BE49-F238E27FC236}">
-                <a16:creationId xmlns:a16="http://schemas.microsoft.com/office/drawing/2014/main" xmlns="" id="{91187660-0B2C-49B8-A9C6-69050469D9F9}"/>
+                <a16:creationId xmlns="" xmlns:a16="http://schemas.microsoft.com/office/drawing/2014/main" id="{91187660-0B2C-49B8-A9C6-69050469D9F9}"/>
               </a:ext>
             </a:extLst>
           </p:cNvPr>
@@ -5327,7 +5327,7 @@
           <p:cNvPr id="47" name="Group 46">
             <a:extLst>
               <a:ext uri="{FF2B5EF4-FFF2-40B4-BE49-F238E27FC236}">
-                <a16:creationId xmlns:a16="http://schemas.microsoft.com/office/drawing/2014/main" xmlns="" id="{9BDC13DC-430C-419B-B8B3-483CAC2DA90A}"/>
+                <a16:creationId xmlns="" xmlns:a16="http://schemas.microsoft.com/office/drawing/2014/main" id="{9BDC13DC-430C-419B-B8B3-483CAC2DA90A}"/>
               </a:ext>
             </a:extLst>
           </p:cNvPr>
@@ -5347,7 +5347,7 @@
             <p:cNvPr id="48" name="Freeform 5">
               <a:extLst>
                 <a:ext uri="{FF2B5EF4-FFF2-40B4-BE49-F238E27FC236}">
-                  <a16:creationId xmlns:a16="http://schemas.microsoft.com/office/drawing/2014/main" xmlns="" id="{5E83A453-A26B-4D5A-A017-0A7C0152672E}"/>
+                  <a16:creationId xmlns="" xmlns:a16="http://schemas.microsoft.com/office/drawing/2014/main" id="{5E83A453-A26B-4D5A-A017-0A7C0152672E}"/>
                 </a:ext>
               </a:extLst>
             </p:cNvPr>
@@ -5495,7 +5495,7 @@
             <p:cNvPr id="50" name="Freeform 9">
               <a:extLst>
                 <a:ext uri="{FF2B5EF4-FFF2-40B4-BE49-F238E27FC236}">
-                  <a16:creationId xmlns:a16="http://schemas.microsoft.com/office/drawing/2014/main" xmlns="" id="{4D3F48B2-15F7-403D-8A83-2D9F8AC83391}"/>
+                  <a16:creationId xmlns="" xmlns:a16="http://schemas.microsoft.com/office/drawing/2014/main" id="{4D3F48B2-15F7-403D-8A83-2D9F8AC83391}"/>
                 </a:ext>
               </a:extLst>
             </p:cNvPr>
@@ -6632,7 +6632,7 @@
           <p:cNvPr id="51" name="Text Box 115">
             <a:extLst>
               <a:ext uri="{FF2B5EF4-FFF2-40B4-BE49-F238E27FC236}">
-                <a16:creationId xmlns:a16="http://schemas.microsoft.com/office/drawing/2014/main" xmlns="" id="{3DC7301A-0634-4DDE-84BD-D6A61E2D11D6}"/>
+                <a16:creationId xmlns="" xmlns:a16="http://schemas.microsoft.com/office/drawing/2014/main" id="{3DC7301A-0634-4DDE-84BD-D6A61E2D11D6}"/>
               </a:ext>
             </a:extLst>
           </p:cNvPr>
@@ -6695,7 +6695,7 @@
           <p:cNvPr id="52" name="Text Box 115">
             <a:extLst>
               <a:ext uri="{FF2B5EF4-FFF2-40B4-BE49-F238E27FC236}">
-                <a16:creationId xmlns:a16="http://schemas.microsoft.com/office/drawing/2014/main" xmlns="" id="{D4093138-40BC-4732-A9D2-201E13AAF4BC}"/>
+                <a16:creationId xmlns="" xmlns:a16="http://schemas.microsoft.com/office/drawing/2014/main" id="{D4093138-40BC-4732-A9D2-201E13AAF4BC}"/>
               </a:ext>
             </a:extLst>
           </p:cNvPr>
@@ -6758,7 +6758,7 @@
           <p:cNvPr id="53" name="Footer Placeholder 4">
             <a:extLst>
               <a:ext uri="{FF2B5EF4-FFF2-40B4-BE49-F238E27FC236}">
-                <a16:creationId xmlns:a16="http://schemas.microsoft.com/office/drawing/2014/main" xmlns="" id="{DF295466-17A7-4B12-83BA-08D9B1935DE9}"/>
+                <a16:creationId xmlns="" xmlns:a16="http://schemas.microsoft.com/office/drawing/2014/main" id="{DF295466-17A7-4B12-83BA-08D9B1935DE9}"/>
               </a:ext>
             </a:extLst>
           </p:cNvPr>
@@ -6891,7 +6891,7 @@
           <p:cNvPr id="54" name="Picture 53">
             <a:extLst>
               <a:ext uri="{FF2B5EF4-FFF2-40B4-BE49-F238E27FC236}">
-                <a16:creationId xmlns:a16="http://schemas.microsoft.com/office/drawing/2014/main" xmlns="" id="{A4DF1B85-70B4-4DEE-91CE-EF07BE2AB916}"/>
+                <a16:creationId xmlns="" xmlns:a16="http://schemas.microsoft.com/office/drawing/2014/main" id="{A4DF1B85-70B4-4DEE-91CE-EF07BE2AB916}"/>
               </a:ext>
             </a:extLst>
           </p:cNvPr>
@@ -12674,8 +12674,8 @@
         </p:blipFill>
         <p:spPr>
           <a:xfrm>
-            <a:off x="186490" y="4788568"/>
-            <a:ext cx="5498432" cy="3320716"/>
+            <a:off x="1349827" y="2992588"/>
+            <a:ext cx="3521243" cy="2126615"/>
           </a:xfrm>
           <a:prstGeom prst="rect">
             <a:avLst/>
